--- a/UC_Course_Sesion1/UCDatabrick - Sesion 1.pptx
+++ b/UC_Course_Sesion1/UCDatabrick - Sesion 1.pptx
@@ -261,7 +261,7 @@
           <a:p>
             <a:fld id="{8B4B7E6F-32B6-4D71-B377-734A03E6F81B}" type="datetimeFigureOut">
               <a:rPr lang="es-ES" smtClean="0"/>
-              <a:t>23/10/2025</a:t>
+              <a:t>24/10/2025</a:t>
             </a:fld>
             <a:endParaRPr lang="es-ES"/>
           </a:p>
@@ -426,7 +426,7 @@
           <a:p>
             <a:fld id="{2B86DFC6-7D9C-4B63-B8DE-A4BEF9511721}" type="datetimeFigureOut">
               <a:rPr lang="en-US" smtClean="0"/>
-              <a:t>10/23/2025</a:t>
+              <a:t>10/24/2025</a:t>
             </a:fld>
             <a:endParaRPr lang="en-US"/>
           </a:p>
@@ -5771,7 +5771,7 @@
         <p:fade/>
       </p:transition>
     </mc:Choice>
-    <mc:Fallback xmlns="" xmlns:mv="urn:schemas-microsoft-com:mac:vml" xmlns:c="http://schemas.openxmlformats.org/drawingml/2006/chart" xmlns:dgm="http://schemas.openxmlformats.org/drawingml/2006/diagram" xmlns:o="urn:schemas-microsoft-com:office:office" xmlns:v="urn:schemas-microsoft-com:vml" xmlns:pvml="urn:schemas-microsoft-com:office:powerpoint" xmlns:com="http://schemas.openxmlformats.org/drawingml/2006/compatibility" xmlns:p15="http://schemas.microsoft.com/office/powerpoint/2012/main" xmlns:ahyp="http://schemas.microsoft.com/office/drawing/2018/hyperlinkcolor">
+    <mc:Fallback xmlns:ahyp="http://schemas.microsoft.com/office/drawing/2018/hyperlinkcolor" xmlns:p15="http://schemas.microsoft.com/office/powerpoint/2012/main" xmlns:com="http://schemas.openxmlformats.org/drawingml/2006/compatibility" xmlns:pvml="urn:schemas-microsoft-com:office:powerpoint" xmlns:v="urn:schemas-microsoft-com:vml" xmlns:o="urn:schemas-microsoft-com:office:office" xmlns:dgm="http://schemas.openxmlformats.org/drawingml/2006/diagram" xmlns:c="http://schemas.openxmlformats.org/drawingml/2006/chart" xmlns:mv="urn:schemas-microsoft-com:mac:vml" xmlns="">
       <p:transition spd="slow">
         <p:fade/>
       </p:transition>
@@ -10056,13 +10056,13 @@
   <p:clrMapOvr>
     <a:masterClrMapping/>
   </p:clrMapOvr>
-  <mc:AlternateContent xmlns:mc="http://schemas.openxmlformats.org/markup-compatibility/2006">
-    <mc:Choice xmlns:p14="http://schemas.microsoft.com/office/powerpoint/2010/main" Requires="p14">
+  <mc:AlternateContent xmlns:mc="http://schemas.openxmlformats.org/markup-compatibility/2006" xmlns:p14="http://schemas.microsoft.com/office/powerpoint/2010/main">
+    <mc:Choice Requires="p14">
       <p:transition spd="med" p14:dur="700">
         <p:fade/>
       </p:transition>
     </mc:Choice>
-    <mc:Fallback>
+    <mc:Fallback xmlns="">
       <p:transition spd="med">
         <p:fade/>
       </p:transition>
@@ -10422,16 +10422,28 @@
               <a:buAutoNum type="arabicPeriod"/>
             </a:pPr>
             <a:r>
+              <a:rPr lang="es-ES" sz="1400" dirty="0" err="1">
+                <a:latin typeface="Montserrat" panose="00000500000000000000" pitchFamily="2" charset="0"/>
+              </a:rPr>
+              <a:t>Ej</a:t>
+            </a:r>
+            <a:r>
               <a:rPr lang="es-ES" sz="1400" dirty="0">
                 <a:latin typeface="Montserrat" panose="00000500000000000000" pitchFamily="2" charset="0"/>
               </a:rPr>
-              <a:t>Estructura </a:t>
+              <a:t> </a:t>
             </a:r>
             <a:r>
               <a:rPr lang="es-ES" sz="1400" dirty="0" err="1">
                 <a:latin typeface="Montserrat" panose="00000500000000000000" pitchFamily="2" charset="0"/>
               </a:rPr>
               <a:t>Medallon</a:t>
+            </a:r>
+            <a:r>
+              <a:rPr lang="es-ES" sz="1400" dirty="0">
+                <a:latin typeface="Montserrat" panose="00000500000000000000" pitchFamily="2" charset="0"/>
+              </a:rPr>
+              <a:t> con foco en integridad del dato y ciclo de vida del dato</a:t>
             </a:r>
             <a:br>
               <a:rPr lang="es-ES" sz="1400" dirty="0">
@@ -11499,7 +11511,7 @@
         <p:fade/>
       </p:transition>
     </mc:Choice>
-    <mc:Fallback xmlns="" xmlns:mv="urn:schemas-microsoft-com:mac:vml" xmlns:c="http://schemas.openxmlformats.org/drawingml/2006/chart" xmlns:dgm="http://schemas.openxmlformats.org/drawingml/2006/diagram" xmlns:o="urn:schemas-microsoft-com:office:office" xmlns:v="urn:schemas-microsoft-com:vml" xmlns:pvml="urn:schemas-microsoft-com:office:powerpoint" xmlns:com="http://schemas.openxmlformats.org/drawingml/2006/compatibility" xmlns:p15="http://schemas.microsoft.com/office/powerpoint/2012/main" xmlns:ahyp="http://schemas.microsoft.com/office/drawing/2018/hyperlinkcolor">
+    <mc:Fallback xmlns:ahyp="http://schemas.microsoft.com/office/drawing/2018/hyperlinkcolor" xmlns:p15="http://schemas.microsoft.com/office/powerpoint/2012/main" xmlns:com="http://schemas.openxmlformats.org/drawingml/2006/compatibility" xmlns:pvml="urn:schemas-microsoft-com:office:powerpoint" xmlns:v="urn:schemas-microsoft-com:vml" xmlns:o="urn:schemas-microsoft-com:office:office" xmlns:dgm="http://schemas.openxmlformats.org/drawingml/2006/diagram" xmlns:c="http://schemas.openxmlformats.org/drawingml/2006/chart" xmlns:mv="urn:schemas-microsoft-com:mac:vml" xmlns="">
       <p:transition spd="slow">
         <p:fade/>
       </p:transition>
@@ -16114,6 +16126,15 @@
 </file>
 
 <file path=customXml/item1.xml><?xml version="1.0" encoding="utf-8"?>
+<?mso-contentType ?>
+<FormTemplates xmlns="http://schemas.microsoft.com/sharepoint/v3/contenttype/forms">
+  <Display>DocumentLibraryForm</Display>
+  <Edit>DocumentLibraryForm</Edit>
+  <New>DocumentLibraryForm</New>
+</FormTemplates>
+</file>
+
+<file path=customXml/item2.xml><?xml version="1.0" encoding="utf-8"?>
 <ct:contentTypeSchema xmlns:ct="http://schemas.microsoft.com/office/2006/metadata/contentType" xmlns:ma="http://schemas.microsoft.com/office/2006/metadata/properties/metaAttributes" ct:_="" ma:_="" ma:contentTypeName="Documento" ma:contentTypeID="0x010100D61D317CF2309C4E8DA448EE42D88B65" ma:contentTypeVersion="14" ma:contentTypeDescription="Crear nuevo documento." ma:contentTypeScope="" ma:versionID="499295a40b32042ffc1aa18e52107fb2">
   <xsd:schema xmlns:xsd="http://www.w3.org/2001/XMLSchema" xmlns:xs="http://www.w3.org/2001/XMLSchema" xmlns:p="http://schemas.microsoft.com/office/2006/metadata/properties" xmlns:ns2="e24c3f89-b1e2-4b5c-81e1-9b07710f5189" xmlns:ns3="ce845bb0-6f82-4cf9-8b02-3916bb6268df" targetNamespace="http://schemas.microsoft.com/office/2006/metadata/properties" ma:root="true" ma:fieldsID="cacbbaa88dffef174e809ab62d2fa790" ns2:_="" ns3:_="">
     <xsd:import namespace="e24c3f89-b1e2-4b5c-81e1-9b07710f5189"/>
@@ -16342,15 +16363,6 @@
 </ct:contentTypeSchema>
 </file>
 
-<file path=customXml/item2.xml><?xml version="1.0" encoding="utf-8"?>
-<?mso-contentType ?>
-<FormTemplates xmlns="http://schemas.microsoft.com/sharepoint/v3/contenttype/forms">
-  <Display>DocumentLibraryForm</Display>
-  <Edit>DocumentLibraryForm</Edit>
-  <New>DocumentLibraryForm</New>
-</FormTemplates>
-</file>
-
 <file path=customXml/item3.xml><?xml version="1.0" encoding="utf-8"?>
 <p:properties xmlns:p="http://schemas.microsoft.com/office/2006/metadata/properties" xmlns:xsi="http://www.w3.org/2001/XMLSchema-instance" xmlns:pc="http://schemas.microsoft.com/office/infopath/2007/PartnerControls">
   <documentManagement>
@@ -16363,6 +16375,14 @@
 </file>
 
 <file path=customXml/itemProps1.xml><?xml version="1.0" encoding="utf-8"?>
+<ds:datastoreItem xmlns:ds="http://schemas.openxmlformats.org/officeDocument/2006/customXml" ds:itemID="{6FDDB250-E753-47E4-8ED1-CAC7AD183E6C}">
+  <ds:schemaRefs>
+    <ds:schemaRef ds:uri="http://schemas.microsoft.com/sharepoint/v3/contenttype/forms"/>
+  </ds:schemaRefs>
+</ds:datastoreItem>
+</file>
+
+<file path=customXml/itemProps2.xml><?xml version="1.0" encoding="utf-8"?>
 <ds:datastoreItem xmlns:ds="http://schemas.openxmlformats.org/officeDocument/2006/customXml" ds:itemID="{D57BF0C9-4CDD-43A3-8A95-A49D62C2F2E1}">
   <ds:schemaRefs>
     <ds:schemaRef ds:uri="http://schemas.microsoft.com/office/2006/metadata/contentType"/>
@@ -16381,14 +16401,6 @@
 </ds:datastoreItem>
 </file>
 
-<file path=customXml/itemProps2.xml><?xml version="1.0" encoding="utf-8"?>
-<ds:datastoreItem xmlns:ds="http://schemas.openxmlformats.org/officeDocument/2006/customXml" ds:itemID="{6FDDB250-E753-47E4-8ED1-CAC7AD183E6C}">
-  <ds:schemaRefs>
-    <ds:schemaRef ds:uri="http://schemas.microsoft.com/sharepoint/v3/contenttype/forms"/>
-  </ds:schemaRefs>
-</ds:datastoreItem>
-</file>
-
 <file path=customXml/itemProps3.xml><?xml version="1.0" encoding="utf-8"?>
 <ds:datastoreItem xmlns:ds="http://schemas.openxmlformats.org/officeDocument/2006/customXml" ds:itemID="{4A79858A-5E67-489D-9BB4-CD604D981F2A}">
   <ds:schemaRefs>

--- a/UC_Course_Sesion1/UCDatabrick - Sesion 1.pptx
+++ b/UC_Course_Sesion1/UCDatabrick - Sesion 1.pptx
@@ -5771,7 +5771,7 @@
         <p:fade/>
       </p:transition>
     </mc:Choice>
-    <mc:Fallback xmlns:ahyp="http://schemas.microsoft.com/office/drawing/2018/hyperlinkcolor" xmlns:p15="http://schemas.microsoft.com/office/powerpoint/2012/main" xmlns:com="http://schemas.openxmlformats.org/drawingml/2006/compatibility" xmlns:pvml="urn:schemas-microsoft-com:office:powerpoint" xmlns:v="urn:schemas-microsoft-com:vml" xmlns:o="urn:schemas-microsoft-com:office:office" xmlns:dgm="http://schemas.openxmlformats.org/drawingml/2006/diagram" xmlns:c="http://schemas.openxmlformats.org/drawingml/2006/chart" xmlns:mv="urn:schemas-microsoft-com:mac:vml" xmlns="">
+    <mc:Fallback xmlns="" xmlns:mv="urn:schemas-microsoft-com:mac:vml" xmlns:c="http://schemas.openxmlformats.org/drawingml/2006/chart" xmlns:dgm="http://schemas.openxmlformats.org/drawingml/2006/diagram" xmlns:o="urn:schemas-microsoft-com:office:office" xmlns:v="urn:schemas-microsoft-com:vml" xmlns:pvml="urn:schemas-microsoft-com:office:powerpoint" xmlns:com="http://schemas.openxmlformats.org/drawingml/2006/compatibility" xmlns:p15="http://schemas.microsoft.com/office/powerpoint/2012/main" xmlns:ahyp="http://schemas.microsoft.com/office/drawing/2018/hyperlinkcolor">
       <p:transition spd="slow">
         <p:fade/>
       </p:transition>
@@ -10906,25 +10906,7 @@
               <a:rPr lang="es-ES" sz="1400" dirty="0">
                 <a:latin typeface="Montserrat" panose="00000500000000000000" pitchFamily="2" charset="0"/>
               </a:rPr>
-              <a:t>Orquestación con </a:t>
-            </a:r>
-            <a:r>
-              <a:rPr lang="es-ES" sz="1400" dirty="0" err="1">
-                <a:latin typeface="Montserrat" panose="00000500000000000000" pitchFamily="2" charset="0"/>
-              </a:rPr>
-              <a:t>Databricks</a:t>
-            </a:r>
-            <a:r>
-              <a:rPr lang="es-ES" sz="1400" dirty="0">
-                <a:latin typeface="Montserrat" panose="00000500000000000000" pitchFamily="2" charset="0"/>
-              </a:rPr>
-              <a:t> </a:t>
-            </a:r>
-            <a:r>
-              <a:rPr lang="es-ES" sz="1400" dirty="0" err="1">
-                <a:latin typeface="Montserrat" panose="00000500000000000000" pitchFamily="2" charset="0"/>
-              </a:rPr>
-              <a:t>Workflows</a:t>
+              <a:t>Orquestación integridad del dato y ciclo de vida del dato</a:t>
             </a:r>
             <a:br>
               <a:rPr lang="es-ES" sz="1400" dirty="0">
@@ -11064,6 +11046,21 @@
                 <a:latin typeface="Montserrat" panose="00000500000000000000" pitchFamily="2" charset="0"/>
               </a:rPr>
               <a:t> con información de costes de uso</a:t>
+            </a:r>
+          </a:p>
+          <a:p>
+            <a:pPr lvl="1"/>
+            <a:r>
+              <a:rPr lang="es-ES" sz="1400" dirty="0" err="1">
+                <a:latin typeface="Montserrat" panose="00000500000000000000" pitchFamily="2" charset="0"/>
+              </a:rPr>
+              <a:t>Ej</a:t>
+            </a:r>
+            <a:r>
+              <a:rPr lang="es-ES" sz="1400" dirty="0">
+                <a:latin typeface="Montserrat" panose="00000500000000000000" pitchFamily="2" charset="0"/>
+              </a:rPr>
+              <a:t> Gobernanza de estructura</a:t>
             </a:r>
           </a:p>
           <a:p>
@@ -11511,7 +11508,7 @@
         <p:fade/>
       </p:transition>
     </mc:Choice>
-    <mc:Fallback xmlns:ahyp="http://schemas.microsoft.com/office/drawing/2018/hyperlinkcolor" xmlns:p15="http://schemas.microsoft.com/office/powerpoint/2012/main" xmlns:com="http://schemas.openxmlformats.org/drawingml/2006/compatibility" xmlns:pvml="urn:schemas-microsoft-com:office:powerpoint" xmlns:v="urn:schemas-microsoft-com:vml" xmlns:o="urn:schemas-microsoft-com:office:office" xmlns:dgm="http://schemas.openxmlformats.org/drawingml/2006/diagram" xmlns:c="http://schemas.openxmlformats.org/drawingml/2006/chart" xmlns:mv="urn:schemas-microsoft-com:mac:vml" xmlns="">
+    <mc:Fallback xmlns="" xmlns:mv="urn:schemas-microsoft-com:mac:vml" xmlns:c="http://schemas.openxmlformats.org/drawingml/2006/chart" xmlns:dgm="http://schemas.openxmlformats.org/drawingml/2006/diagram" xmlns:o="urn:schemas-microsoft-com:office:office" xmlns:v="urn:schemas-microsoft-com:vml" xmlns:pvml="urn:schemas-microsoft-com:office:powerpoint" xmlns:com="http://schemas.openxmlformats.org/drawingml/2006/compatibility" xmlns:p15="http://schemas.microsoft.com/office/powerpoint/2012/main" xmlns:ahyp="http://schemas.microsoft.com/office/drawing/2018/hyperlinkcolor">
       <p:transition spd="slow">
         <p:fade/>
       </p:transition>
@@ -11551,7 +11548,7 @@
         </p:nvSpPr>
         <p:spPr>
           <a:xfrm rot="5400000">
-            <a:off x="1435463" y="1052736"/>
+            <a:off x="1247470" y="1052736"/>
             <a:ext cx="2808312" cy="3384376"/>
           </a:xfrm>
           <a:prstGeom prst="trapezoid">
@@ -11633,7 +11630,7 @@
         </p:nvSpPr>
         <p:spPr>
           <a:xfrm>
-            <a:off x="463355" y="1124744"/>
+            <a:off x="419378" y="1124744"/>
             <a:ext cx="1368152" cy="3168352"/>
           </a:xfrm>
           <a:prstGeom prst="roundRect">
@@ -11684,7 +11681,7 @@
         </p:nvSpPr>
         <p:spPr>
           <a:xfrm rot="16200000">
-            <a:off x="4819839" y="1052736"/>
+            <a:off x="4631846" y="1052736"/>
             <a:ext cx="2808312" cy="3384376"/>
           </a:xfrm>
           <a:prstGeom prst="trapezoid">
@@ -11766,7 +11763,7 @@
         </p:nvSpPr>
         <p:spPr>
           <a:xfrm>
-            <a:off x="2947631" y="1628800"/>
+            <a:off x="2759638" y="1628800"/>
             <a:ext cx="3312368" cy="2340260"/>
           </a:xfrm>
           <a:prstGeom prst="roundRect">
@@ -11849,7 +11846,7 @@
         </p:blipFill>
         <p:spPr>
           <a:xfrm>
-            <a:off x="796141" y="1196752"/>
+            <a:off x="752164" y="1196752"/>
             <a:ext cx="628748" cy="628748"/>
           </a:xfrm>
           <a:prstGeom prst="rect">
@@ -11885,7 +11882,7 @@
         </p:blipFill>
         <p:spPr>
           <a:xfrm>
-            <a:off x="796141" y="2132856"/>
+            <a:off x="752164" y="2132856"/>
             <a:ext cx="628748" cy="628748"/>
           </a:xfrm>
           <a:prstGeom prst="rect">
@@ -11921,7 +11918,7 @@
         </p:blipFill>
         <p:spPr>
           <a:xfrm>
-            <a:off x="796141" y="3191095"/>
+            <a:off x="752164" y="3191095"/>
             <a:ext cx="628748" cy="628748"/>
           </a:xfrm>
           <a:prstGeom prst="rect">
@@ -11943,7 +11940,7 @@
         </p:nvSpPr>
         <p:spPr>
           <a:xfrm>
-            <a:off x="7294453" y="1124744"/>
+            <a:off x="7164288" y="1124744"/>
             <a:ext cx="1368152" cy="3168352"/>
           </a:xfrm>
           <a:prstGeom prst="roundRect">
@@ -11994,7 +11991,7 @@
         </p:nvSpPr>
         <p:spPr>
           <a:xfrm>
-            <a:off x="7602616" y="1479773"/>
+            <a:off x="7458923" y="1509530"/>
             <a:ext cx="1286482" cy="230832"/>
           </a:xfrm>
           <a:prstGeom prst="rect">
@@ -12034,7 +12031,7 @@
         </p:nvSpPr>
         <p:spPr>
           <a:xfrm>
-            <a:off x="611560" y="2717842"/>
+            <a:off x="567583" y="2717842"/>
             <a:ext cx="1368152" cy="230832"/>
           </a:xfrm>
           <a:prstGeom prst="rect">
@@ -12074,7 +12071,7 @@
         </p:nvSpPr>
         <p:spPr>
           <a:xfrm>
-            <a:off x="573476" y="3794859"/>
+            <a:off x="529499" y="3794859"/>
             <a:ext cx="1368152" cy="230832"/>
           </a:xfrm>
           <a:prstGeom prst="rect">
@@ -12143,7 +12140,7 @@
         </p:blipFill>
         <p:spPr>
           <a:xfrm>
-            <a:off x="7846718" y="1951515"/>
+            <a:off x="7703025" y="1981272"/>
             <a:ext cx="312442" cy="312442"/>
           </a:xfrm>
           <a:prstGeom prst="rect">
@@ -12179,7 +12176,7 @@
         </p:blipFill>
         <p:spPr>
           <a:xfrm>
-            <a:off x="7823228" y="1193508"/>
+            <a:off x="7679535" y="1223265"/>
             <a:ext cx="316228" cy="316228"/>
           </a:xfrm>
           <a:prstGeom prst="rect">
@@ -12215,7 +12212,7 @@
         </p:blipFill>
         <p:spPr>
           <a:xfrm>
-            <a:off x="7798421" y="3501230"/>
+            <a:off x="7654728" y="3530987"/>
             <a:ext cx="378430" cy="378430"/>
           </a:xfrm>
           <a:prstGeom prst="rect">
@@ -12251,7 +12248,7 @@
         </p:blipFill>
         <p:spPr>
           <a:xfrm>
-            <a:off x="7768957" y="2698232"/>
+            <a:off x="7625264" y="2727989"/>
             <a:ext cx="434555" cy="434555"/>
           </a:xfrm>
           <a:prstGeom prst="rect">
@@ -12273,7 +12270,7 @@
         </p:nvSpPr>
         <p:spPr>
           <a:xfrm>
-            <a:off x="655146" y="1786608"/>
+            <a:off x="611169" y="1786608"/>
             <a:ext cx="1286482" cy="230832"/>
           </a:xfrm>
           <a:prstGeom prst="rect">
@@ -12313,7 +12310,7 @@
         </p:nvSpPr>
         <p:spPr>
           <a:xfrm>
-            <a:off x="7447374" y="2226223"/>
+            <a:off x="7303681" y="2255980"/>
             <a:ext cx="1286482" cy="230832"/>
           </a:xfrm>
           <a:prstGeom prst="rect">
@@ -12368,7 +12365,7 @@
         </p:nvSpPr>
         <p:spPr>
           <a:xfrm>
-            <a:off x="7649975" y="3084994"/>
+            <a:off x="7506282" y="3114751"/>
             <a:ext cx="1286482" cy="230832"/>
           </a:xfrm>
           <a:prstGeom prst="rect">
@@ -12414,7 +12411,7 @@
         </p:nvSpPr>
         <p:spPr>
           <a:xfrm>
-            <a:off x="7574321" y="3852445"/>
+            <a:off x="7430628" y="3882202"/>
             <a:ext cx="1286482" cy="369332"/>
           </a:xfrm>
           <a:prstGeom prst="rect">
@@ -16126,15 +16123,6 @@
 </file>
 
 <file path=customXml/item1.xml><?xml version="1.0" encoding="utf-8"?>
-<?mso-contentType ?>
-<FormTemplates xmlns="http://schemas.microsoft.com/sharepoint/v3/contenttype/forms">
-  <Display>DocumentLibraryForm</Display>
-  <Edit>DocumentLibraryForm</Edit>
-  <New>DocumentLibraryForm</New>
-</FormTemplates>
-</file>
-
-<file path=customXml/item2.xml><?xml version="1.0" encoding="utf-8"?>
 <ct:contentTypeSchema xmlns:ct="http://schemas.microsoft.com/office/2006/metadata/contentType" xmlns:ma="http://schemas.microsoft.com/office/2006/metadata/properties/metaAttributes" ct:_="" ma:_="" ma:contentTypeName="Documento" ma:contentTypeID="0x010100D61D317CF2309C4E8DA448EE42D88B65" ma:contentTypeVersion="14" ma:contentTypeDescription="Crear nuevo documento." ma:contentTypeScope="" ma:versionID="499295a40b32042ffc1aa18e52107fb2">
   <xsd:schema xmlns:xsd="http://www.w3.org/2001/XMLSchema" xmlns:xs="http://www.w3.org/2001/XMLSchema" xmlns:p="http://schemas.microsoft.com/office/2006/metadata/properties" xmlns:ns2="e24c3f89-b1e2-4b5c-81e1-9b07710f5189" xmlns:ns3="ce845bb0-6f82-4cf9-8b02-3916bb6268df" targetNamespace="http://schemas.microsoft.com/office/2006/metadata/properties" ma:root="true" ma:fieldsID="cacbbaa88dffef174e809ab62d2fa790" ns2:_="" ns3:_="">
     <xsd:import namespace="e24c3f89-b1e2-4b5c-81e1-9b07710f5189"/>
@@ -16363,6 +16351,15 @@
 </ct:contentTypeSchema>
 </file>
 
+<file path=customXml/item2.xml><?xml version="1.0" encoding="utf-8"?>
+<?mso-contentType ?>
+<FormTemplates xmlns="http://schemas.microsoft.com/sharepoint/v3/contenttype/forms">
+  <Display>DocumentLibraryForm</Display>
+  <Edit>DocumentLibraryForm</Edit>
+  <New>DocumentLibraryForm</New>
+</FormTemplates>
+</file>
+
 <file path=customXml/item3.xml><?xml version="1.0" encoding="utf-8"?>
 <p:properties xmlns:p="http://schemas.microsoft.com/office/2006/metadata/properties" xmlns:xsi="http://www.w3.org/2001/XMLSchema-instance" xmlns:pc="http://schemas.microsoft.com/office/infopath/2007/PartnerControls">
   <documentManagement>
@@ -16375,14 +16372,6 @@
 </file>
 
 <file path=customXml/itemProps1.xml><?xml version="1.0" encoding="utf-8"?>
-<ds:datastoreItem xmlns:ds="http://schemas.openxmlformats.org/officeDocument/2006/customXml" ds:itemID="{6FDDB250-E753-47E4-8ED1-CAC7AD183E6C}">
-  <ds:schemaRefs>
-    <ds:schemaRef ds:uri="http://schemas.microsoft.com/sharepoint/v3/contenttype/forms"/>
-  </ds:schemaRefs>
-</ds:datastoreItem>
-</file>
-
-<file path=customXml/itemProps2.xml><?xml version="1.0" encoding="utf-8"?>
 <ds:datastoreItem xmlns:ds="http://schemas.openxmlformats.org/officeDocument/2006/customXml" ds:itemID="{D57BF0C9-4CDD-43A3-8A95-A49D62C2F2E1}">
   <ds:schemaRefs>
     <ds:schemaRef ds:uri="http://schemas.microsoft.com/office/2006/metadata/contentType"/>
@@ -16401,6 +16390,14 @@
 </ds:datastoreItem>
 </file>
 
+<file path=customXml/itemProps2.xml><?xml version="1.0" encoding="utf-8"?>
+<ds:datastoreItem xmlns:ds="http://schemas.openxmlformats.org/officeDocument/2006/customXml" ds:itemID="{6FDDB250-E753-47E4-8ED1-CAC7AD183E6C}">
+  <ds:schemaRefs>
+    <ds:schemaRef ds:uri="http://schemas.microsoft.com/sharepoint/v3/contenttype/forms"/>
+  </ds:schemaRefs>
+</ds:datastoreItem>
+</file>
+
 <file path=customXml/itemProps3.xml><?xml version="1.0" encoding="utf-8"?>
 <ds:datastoreItem xmlns:ds="http://schemas.openxmlformats.org/officeDocument/2006/customXml" ds:itemID="{4A79858A-5E67-489D-9BB4-CD604D981F2A}">
   <ds:schemaRefs>
